--- a/seabattle.pptx
+++ b/seabattle.pptx
@@ -8,8 +8,9 @@
     <p:sldId id="256" r:id="rId2"/>
     <p:sldId id="257" r:id="rId3"/>
     <p:sldId id="258" r:id="rId4"/>
-    <p:sldId id="259" r:id="rId5"/>
-    <p:sldId id="260" r:id="rId6"/>
+    <p:sldId id="261" r:id="rId5"/>
+    <p:sldId id="259" r:id="rId6"/>
+    <p:sldId id="260" r:id="rId7"/>
   </p:sldIdLst>
   <p:sldSz cx="12192000" cy="6858000"/>
   <p:notesSz cx="6858000" cy="9144000"/>
@@ -119,6 +120,7 @@
 <file path=ppt/revisionInfo.xml><?xml version="1.0" encoding="utf-8"?>
 <p1510:revInfo xmlns:a="http://schemas.openxmlformats.org/drawingml/2006/main" xmlns:r="http://schemas.openxmlformats.org/officeDocument/2006/relationships" xmlns:p1510="http://schemas.microsoft.com/office/powerpoint/2015/10/main">
   <p1510:revLst>
+    <p1510:client id="{2063E4F0-DC8E-4856-8FE4-BCE2415BAC9D}" v="578" dt="2023-01-21T16:16:46.357"/>
     <p1510:client id="{D8C6A38F-4D97-4B01-AB0E-7D56FC983673}" v="660" dt="2023-01-16T15:03:34.730"/>
   </p1510:revLst>
 </p1510:revInfo>
@@ -253,7 +255,7 @@
           <a:p>
             <a:fld id="{F2FFB779-270B-4192-84BA-A697F48306DC}" type="datetimeFigureOut">
               <a:rPr lang="ru-RU" smtClean="0"/>
-              <a:t>16.01.2023</a:t>
+              <a:t>21.01.2023</a:t>
             </a:fld>
             <a:endParaRPr lang="ru-RU"/>
           </a:p>
@@ -421,7 +423,7 @@
           <a:p>
             <a:fld id="{F2FFB779-270B-4192-84BA-A697F48306DC}" type="datetimeFigureOut">
               <a:rPr lang="ru-RU" smtClean="0"/>
-              <a:t>16.01.2023</a:t>
+              <a:t>21.01.2023</a:t>
             </a:fld>
             <a:endParaRPr lang="ru-RU"/>
           </a:p>
@@ -599,7 +601,7 @@
           <a:p>
             <a:fld id="{F2FFB779-270B-4192-84BA-A697F48306DC}" type="datetimeFigureOut">
               <a:rPr lang="ru-RU" smtClean="0"/>
-              <a:t>16.01.2023</a:t>
+              <a:t>21.01.2023</a:t>
             </a:fld>
             <a:endParaRPr lang="ru-RU"/>
           </a:p>
@@ -767,7 +769,7 @@
           <a:p>
             <a:fld id="{F2FFB779-270B-4192-84BA-A697F48306DC}" type="datetimeFigureOut">
               <a:rPr lang="ru-RU" smtClean="0"/>
-              <a:t>16.01.2023</a:t>
+              <a:t>21.01.2023</a:t>
             </a:fld>
             <a:endParaRPr lang="ru-RU"/>
           </a:p>
@@ -1012,7 +1014,7 @@
           <a:p>
             <a:fld id="{F2FFB779-270B-4192-84BA-A697F48306DC}" type="datetimeFigureOut">
               <a:rPr lang="ru-RU" smtClean="0"/>
-              <a:t>16.01.2023</a:t>
+              <a:t>21.01.2023</a:t>
             </a:fld>
             <a:endParaRPr lang="ru-RU"/>
           </a:p>
@@ -1241,7 +1243,7 @@
           <a:p>
             <a:fld id="{F2FFB779-270B-4192-84BA-A697F48306DC}" type="datetimeFigureOut">
               <a:rPr lang="ru-RU" smtClean="0"/>
-              <a:t>16.01.2023</a:t>
+              <a:t>21.01.2023</a:t>
             </a:fld>
             <a:endParaRPr lang="ru-RU"/>
           </a:p>
@@ -1605,7 +1607,7 @@
           <a:p>
             <a:fld id="{F2FFB779-270B-4192-84BA-A697F48306DC}" type="datetimeFigureOut">
               <a:rPr lang="ru-RU" smtClean="0"/>
-              <a:t>16.01.2023</a:t>
+              <a:t>21.01.2023</a:t>
             </a:fld>
             <a:endParaRPr lang="ru-RU"/>
           </a:p>
@@ -1722,7 +1724,7 @@
           <a:p>
             <a:fld id="{F2FFB779-270B-4192-84BA-A697F48306DC}" type="datetimeFigureOut">
               <a:rPr lang="ru-RU" smtClean="0"/>
-              <a:t>16.01.2023</a:t>
+              <a:t>21.01.2023</a:t>
             </a:fld>
             <a:endParaRPr lang="ru-RU"/>
           </a:p>
@@ -1817,7 +1819,7 @@
           <a:p>
             <a:fld id="{F2FFB779-270B-4192-84BA-A697F48306DC}" type="datetimeFigureOut">
               <a:rPr lang="ru-RU" smtClean="0"/>
-              <a:t>16.01.2023</a:t>
+              <a:t>21.01.2023</a:t>
             </a:fld>
             <a:endParaRPr lang="ru-RU"/>
           </a:p>
@@ -2092,7 +2094,7 @@
           <a:p>
             <a:fld id="{F2FFB779-270B-4192-84BA-A697F48306DC}" type="datetimeFigureOut">
               <a:rPr lang="ru-RU" smtClean="0"/>
-              <a:t>16.01.2023</a:t>
+              <a:t>21.01.2023</a:t>
             </a:fld>
             <a:endParaRPr lang="ru-RU"/>
           </a:p>
@@ -2344,7 +2346,7 @@
           <a:p>
             <a:fld id="{F2FFB779-270B-4192-84BA-A697F48306DC}" type="datetimeFigureOut">
               <a:rPr lang="ru-RU" smtClean="0"/>
-              <a:t>16.01.2023</a:t>
+              <a:t>21.01.2023</a:t>
             </a:fld>
             <a:endParaRPr lang="ru-RU"/>
           </a:p>
@@ -2555,7 +2557,7 @@
           <a:p>
             <a:fld id="{F2FFB779-270B-4192-84BA-A697F48306DC}" type="datetimeFigureOut">
               <a:rPr lang="ru-RU" smtClean="0"/>
-              <a:t>16.01.2023</a:t>
+              <a:t>21.01.2023</a:t>
             </a:fld>
             <a:endParaRPr lang="ru-RU"/>
           </a:p>
@@ -3491,7 +3493,18 @@
               <a:rPr lang="ru-RU" dirty="0">
                 <a:cs typeface="Calibri"/>
               </a:rPr>
-              <a:t>По сути наша версия игры является простым аналогом и не выделяется на фоне любого другого. Конечно нам бы не составило сложности сделать красивый фон в меню игры, или каким-либо другим способом поменять оформление, но мы решили оставить всё в минималистическом виде.</a:t>
+              <a:t>Мы постарались сделать основное игровое окно более приятным и красивым, и вот что у нас вышло (скриншоты).</a:t>
+            </a:r>
+            <a:br>
+              <a:rPr lang="ru-RU" dirty="0">
+                <a:cs typeface="Calibri"/>
+              </a:rPr>
+            </a:br>
+            <a:r>
+              <a:rPr lang="ru-RU" dirty="0">
+                <a:cs typeface="Calibri"/>
+              </a:rPr>
+              <a:t>Мы сделали координаты поля (буквы, цифры), фон, необычные по форме корабли и понятные выстрелы (промах - маленькая черная точка, попадание - красный квадрат с крестиком).</a:t>
             </a:r>
           </a:p>
         </p:txBody>
@@ -3526,12 +3539,53 @@
           </a:prstGeom>
         </p:spPr>
       </p:pic>
+      <p:sp>
+        <p:nvSpPr>
+          <p:cNvPr id="6" name="TextBox 5">
+            <a:extLst>
+              <a:ext uri="{FF2B5EF4-FFF2-40B4-BE49-F238E27FC236}">
+                <a16:creationId xmlns:a16="http://schemas.microsoft.com/office/drawing/2014/main" id="{84BFF5C3-156A-6CEB-C21F-D0FA99599362}"/>
+              </a:ext>
+            </a:extLst>
+          </p:cNvPr>
+          <p:cNvSpPr txBox="1"/>
+          <p:nvPr/>
+        </p:nvSpPr>
+        <p:spPr>
+          <a:xfrm>
+            <a:off x="7400925" y="5314950"/>
+            <a:ext cx="3000375" cy="369332"/>
+          </a:xfrm>
+          <a:prstGeom prst="rect">
+            <a:avLst/>
+          </a:prstGeom>
+          <a:noFill/>
+        </p:spPr>
+        <p:txBody>
+          <a:bodyPr rot="0" spcFirstLastPara="0" vertOverflow="overflow" horzOverflow="overflow" vert="horz" wrap="square" lIns="91440" tIns="45720" rIns="91440" bIns="45720" numCol="1" spcCol="0" rtlCol="0" fromWordArt="0" anchor="t" anchorCtr="0" forceAA="0" compatLnSpc="1">
+            <a:prstTxWarp prst="textNoShape">
+              <a:avLst/>
+            </a:prstTxWarp>
+            <a:spAutoFit/>
+          </a:bodyPr>
+          <a:lstStyle/>
+          <a:p>
+            <a:r>
+              <a:rPr lang="ru-RU" dirty="0">
+                <a:cs typeface="Calibri"/>
+              </a:rPr>
+              <a:t>новые скриншоты</a:t>
+            </a:r>
+            <a:endParaRPr lang="ru-RU" dirty="0"/>
+          </a:p>
+        </p:txBody>
+      </p:sp>
       <p:pic>
         <p:nvPicPr>
-          <p:cNvPr id="5" name="Рисунок 5" descr="Изображение выглядит как доска&#10;&#10;Автоматически созданное описание">
+          <p:cNvPr id="7" name="Рисунок 7" descr="Изображение выглядит как текст&#10;&#10;Автоматически созданное описание">
             <a:extLst>
               <a:ext uri="{FF2B5EF4-FFF2-40B4-BE49-F238E27FC236}">
-                <a16:creationId xmlns:a16="http://schemas.microsoft.com/office/drawing/2014/main" id="{6DFE16B4-110A-409A-70F5-CA7066227A2E}"/>
+                <a16:creationId xmlns:a16="http://schemas.microsoft.com/office/drawing/2014/main" id="{EB4704D6-A942-9D96-6B0E-6D968623129C}"/>
               </a:ext>
             </a:extLst>
           </p:cNvPr>
@@ -3548,8 +3602,8 @@
         </p:blipFill>
         <p:spPr>
           <a:xfrm>
-            <a:off x="7913511" y="2414404"/>
-            <a:ext cx="4013200" cy="2969931"/>
+            <a:off x="7905750" y="2422612"/>
+            <a:ext cx="3476625" cy="2955752"/>
           </a:xfrm>
           <a:prstGeom prst="rect">
             <a:avLst/>
@@ -3602,6 +3656,267 @@
           <p:cNvPr id="2" name="Заголовок 1">
             <a:extLst>
               <a:ext uri="{FF2B5EF4-FFF2-40B4-BE49-F238E27FC236}">
+                <a16:creationId xmlns:a16="http://schemas.microsoft.com/office/drawing/2014/main" id="{02B92DAA-6D23-A387-0648-024B53BDB26C}"/>
+              </a:ext>
+            </a:extLst>
+          </p:cNvPr>
+          <p:cNvSpPr>
+            <a:spLocks noGrp="1"/>
+          </p:cNvSpPr>
+          <p:nvPr>
+            <p:ph type="title"/>
+          </p:nvPr>
+        </p:nvSpPr>
+        <p:spPr>
+          <a:xfrm>
+            <a:off x="209550" y="431800"/>
+            <a:ext cx="8496300" cy="1325563"/>
+          </a:xfrm>
+        </p:spPr>
+        <p:txBody>
+          <a:bodyPr>
+            <a:normAutofit/>
+          </a:bodyPr>
+          <a:lstStyle/>
+          <a:p>
+            <a:r>
+              <a:rPr lang="ru-RU" dirty="0">
+                <a:cs typeface="Calibri Light"/>
+              </a:rPr>
+              <a:t>Какие библиотеки были использованы?</a:t>
+            </a:r>
+          </a:p>
+        </p:txBody>
+      </p:sp>
+      <p:sp>
+        <p:nvSpPr>
+          <p:cNvPr id="3" name="Объект 2">
+            <a:extLst>
+              <a:ext uri="{FF2B5EF4-FFF2-40B4-BE49-F238E27FC236}">
+                <a16:creationId xmlns:a16="http://schemas.microsoft.com/office/drawing/2014/main" id="{911B1585-6F55-A2CF-5ABF-1A7D4B570CC9}"/>
+              </a:ext>
+            </a:extLst>
+          </p:cNvPr>
+          <p:cNvSpPr>
+            <a:spLocks noGrp="1"/>
+          </p:cNvSpPr>
+          <p:nvPr>
+            <p:ph idx="1"/>
+          </p:nvPr>
+        </p:nvSpPr>
+        <p:spPr>
+          <a:xfrm>
+            <a:off x="209550" y="1768475"/>
+            <a:ext cx="10515600" cy="4351338"/>
+          </a:xfrm>
+        </p:spPr>
+        <p:txBody>
+          <a:bodyPr vert="horz" lIns="91440" tIns="45720" rIns="91440" bIns="45720" rtlCol="0" anchor="t">
+            <a:normAutofit fontScale="92500"/>
+          </a:bodyPr>
+          <a:lstStyle/>
+          <a:p>
+            <a:pPr marL="514350" indent="-514350">
+              <a:buAutoNum type="arabicPeriod"/>
+            </a:pPr>
+            <a:r>
+              <a:rPr lang="ru-RU" dirty="0" err="1">
+                <a:cs typeface="Calibri" panose="020F0502020204030204"/>
+              </a:rPr>
+              <a:t>PyGame</a:t>
+            </a:r>
+            <a:r>
+              <a:rPr lang="ru-RU" dirty="0">
+                <a:cs typeface="Calibri" panose="020F0502020204030204"/>
+              </a:rPr>
+              <a:t> - определенно самая важная библиотека для нашей программы</a:t>
+            </a:r>
+          </a:p>
+          <a:p>
+            <a:pPr marL="514350" indent="-514350">
+              <a:buAutoNum type="arabicPeriod"/>
+            </a:pPr>
+            <a:r>
+              <a:rPr lang="ru-RU" dirty="0" err="1">
+                <a:cs typeface="Calibri" panose="020F0502020204030204"/>
+              </a:rPr>
+              <a:t>Random</a:t>
+            </a:r>
+            <a:r>
+              <a:rPr lang="ru-RU" dirty="0">
+                <a:cs typeface="Calibri" panose="020F0502020204030204"/>
+              </a:rPr>
+              <a:t> - библиотека, позволяющая определять случайные значения</a:t>
+            </a:r>
+          </a:p>
+          <a:p>
+            <a:pPr marL="514350" indent="-514350">
+              <a:buAutoNum type="arabicPeriod"/>
+            </a:pPr>
+            <a:r>
+              <a:rPr lang="ru-RU" dirty="0">
+                <a:cs typeface="Calibri" panose="020F0502020204030204"/>
+              </a:rPr>
+              <a:t>Time - библиотека, которая позволила сделать "Задержки" в программе</a:t>
+            </a:r>
+          </a:p>
+          <a:p>
+            <a:pPr marL="514350" indent="-514350">
+              <a:buAutoNum type="arabicPeriod"/>
+            </a:pPr>
+            <a:r>
+              <a:rPr lang="ru-RU" dirty="0" err="1">
+                <a:cs typeface="Calibri" panose="020F0502020204030204"/>
+              </a:rPr>
+              <a:t>Copy</a:t>
+            </a:r>
+            <a:r>
+              <a:rPr lang="ru-RU" dirty="0">
+                <a:cs typeface="Calibri" panose="020F0502020204030204"/>
+              </a:rPr>
+              <a:t> - библиотека, нужная для глубокого копирования списков и </a:t>
+            </a:r>
+            <a:r>
+              <a:rPr lang="ru-RU" dirty="0" err="1">
+                <a:cs typeface="Calibri" panose="020F0502020204030204"/>
+              </a:rPr>
+              <a:t>тд</a:t>
+            </a:r>
+            <a:r>
+              <a:rPr lang="ru-RU" dirty="0">
+                <a:cs typeface="Calibri" panose="020F0502020204030204"/>
+              </a:rPr>
+              <a:t>.</a:t>
+            </a:r>
+          </a:p>
+          <a:p>
+            <a:pPr marL="514350" indent="-514350">
+              <a:buAutoNum type="arabicPeriod"/>
+            </a:pPr>
+            <a:r>
+              <a:rPr lang="ru-RU" dirty="0" err="1">
+                <a:cs typeface="Calibri" panose="020F0502020204030204"/>
+              </a:rPr>
+              <a:t>Os</a:t>
+            </a:r>
+            <a:r>
+              <a:rPr lang="ru-RU" dirty="0">
+                <a:cs typeface="Calibri" panose="020F0502020204030204"/>
+              </a:rPr>
+              <a:t> - библиотека, позволяющая работать с файлами, директориями и </a:t>
+            </a:r>
+            <a:r>
+              <a:rPr lang="ru-RU" dirty="0" err="1">
+                <a:cs typeface="Calibri" panose="020F0502020204030204"/>
+              </a:rPr>
+              <a:t>тд</a:t>
+            </a:r>
+            <a:r>
+              <a:rPr lang="ru-RU" dirty="0">
+                <a:cs typeface="Calibri" panose="020F0502020204030204"/>
+              </a:rPr>
+              <a:t>.</a:t>
+            </a:r>
+          </a:p>
+          <a:p>
+            <a:pPr marL="514350" indent="-514350">
+              <a:buAutoNum type="arabicPeriod"/>
+            </a:pPr>
+            <a:r>
+              <a:rPr lang="ru-RU" dirty="0" err="1">
+                <a:cs typeface="Calibri" panose="020F0502020204030204"/>
+              </a:rPr>
+              <a:t>Sys</a:t>
+            </a:r>
+            <a:r>
+              <a:rPr lang="ru-RU" dirty="0">
+                <a:cs typeface="Calibri" panose="020F0502020204030204"/>
+              </a:rPr>
+              <a:t> - библиотека, помогающая работать с вводом выводом и другим.</a:t>
+            </a:r>
+            <a:endParaRPr lang="ru-RU" b="1" dirty="0">
+              <a:ea typeface="+mn-lt"/>
+              <a:cs typeface="+mn-lt"/>
+            </a:endParaRPr>
+          </a:p>
+        </p:txBody>
+      </p:sp>
+      <p:pic>
+        <p:nvPicPr>
+          <p:cNvPr id="4" name="Рисунок 4">
+            <a:extLst>
+              <a:ext uri="{FF2B5EF4-FFF2-40B4-BE49-F238E27FC236}">
+                <a16:creationId xmlns:a16="http://schemas.microsoft.com/office/drawing/2014/main" id="{F354CE14-5002-42A1-B936-C78BFE124D36}"/>
+              </a:ext>
+            </a:extLst>
+          </p:cNvPr>
+          <p:cNvPicPr>
+            <a:picLocks noChangeAspect="1"/>
+          </p:cNvPicPr>
+          <p:nvPr/>
+        </p:nvPicPr>
+        <p:blipFill>
+          <a:blip r:embed="rId2"/>
+          <a:stretch>
+            <a:fillRect/>
+          </a:stretch>
+        </p:blipFill>
+        <p:spPr>
+          <a:xfrm>
+            <a:off x="6543675" y="365726"/>
+            <a:ext cx="4686300" cy="1392623"/>
+          </a:xfrm>
+          <a:prstGeom prst="rect">
+            <a:avLst/>
+          </a:prstGeom>
+        </p:spPr>
+      </p:pic>
+    </p:spTree>
+    <p:extLst>
+      <p:ext uri="{BB962C8B-B14F-4D97-AF65-F5344CB8AC3E}">
+        <p14:creationId xmlns:p14="http://schemas.microsoft.com/office/powerpoint/2010/main" val="143153418"/>
+      </p:ext>
+    </p:extLst>
+  </p:cSld>
+  <p:clrMapOvr>
+    <a:masterClrMapping/>
+  </p:clrMapOvr>
+</p:sld>
+</file>
+
+<file path=ppt/slides/slide5.xml><?xml version="1.0" encoding="utf-8"?>
+<p:sld xmlns:a="http://schemas.openxmlformats.org/drawingml/2006/main" xmlns:r="http://schemas.openxmlformats.org/officeDocument/2006/relationships" xmlns:p="http://schemas.openxmlformats.org/presentationml/2006/main">
+  <p:cSld>
+    <p:bg>
+      <p:bgPr>
+        <a:solidFill>
+          <a:schemeClr val="accent1">
+            <a:lumMod val="40000"/>
+            <a:lumOff val="60000"/>
+          </a:schemeClr>
+        </a:solidFill>
+        <a:effectLst/>
+      </p:bgPr>
+    </p:bg>
+    <p:spTree>
+      <p:nvGrpSpPr>
+        <p:cNvPr id="1" name=""/>
+        <p:cNvGrpSpPr/>
+        <p:nvPr/>
+      </p:nvGrpSpPr>
+      <p:grpSpPr>
+        <a:xfrm>
+          <a:off x="0" y="0"/>
+          <a:ext cx="0" cy="0"/>
+          <a:chOff x="0" y="0"/>
+          <a:chExt cx="0" cy="0"/>
+        </a:xfrm>
+      </p:grpSpPr>
+      <p:sp>
+        <p:nvSpPr>
+          <p:cNvPr id="2" name="Заголовок 1">
+            <a:extLst>
+              <a:ext uri="{FF2B5EF4-FFF2-40B4-BE49-F238E27FC236}">
                 <a16:creationId xmlns:a16="http://schemas.microsoft.com/office/drawing/2014/main" id="{53F6FEBA-6447-0056-F191-1457D0AFC4CE}"/>
               </a:ext>
             </a:extLst>
@@ -3691,6 +4006,17 @@
                 <a:cs typeface="Calibri"/>
               </a:rPr>
               <a:t>Добавить разные нации, чтобы игрок мог персонализировать свои корабли.</a:t>
+            </a:r>
+          </a:p>
+          <a:p>
+            <a:pPr marL="514350" indent="-514350">
+              <a:buAutoNum type="arabicPeriod"/>
+            </a:pPr>
+            <a:r>
+              <a:rPr lang="ru-RU" dirty="0">
+                <a:cs typeface="Calibri"/>
+              </a:rPr>
+              <a:t>Доделать отображение пустых клеток вокруг части/целого корабля, когда противник совершает по ним выстрел, что обычно свойственно для "Морского боя".</a:t>
             </a:r>
           </a:p>
         </p:txBody>
@@ -3708,7 +4034,7 @@
 </p:sld>
 </file>
 
-<file path=ppt/slides/slide5.xml><?xml version="1.0" encoding="utf-8"?>
+<file path=ppt/slides/slide6.xml><?xml version="1.0" encoding="utf-8"?>
 <p:sld xmlns:a="http://schemas.openxmlformats.org/drawingml/2006/main" xmlns:r="http://schemas.openxmlformats.org/officeDocument/2006/relationships" xmlns:p="http://schemas.openxmlformats.org/presentationml/2006/main">
   <p:cSld>
     <p:bg>

--- a/seabattle.pptx
+++ b/seabattle.pptx
@@ -121,6 +121,7 @@
 <p1510:revInfo xmlns:a="http://schemas.openxmlformats.org/drawingml/2006/main" xmlns:r="http://schemas.openxmlformats.org/officeDocument/2006/relationships" xmlns:p1510="http://schemas.microsoft.com/office/powerpoint/2015/10/main">
   <p1510:revLst>
     <p1510:client id="{2063E4F0-DC8E-4856-8FE4-BCE2415BAC9D}" v="578" dt="2023-01-21T16:16:46.357"/>
+    <p1510:client id="{99006353-E611-4B31-A314-A38B7097EF50}" v="4" dt="2023-01-21T17:19:48.331"/>
     <p1510:client id="{D8C6A38F-4D97-4B01-AB0E-7D56FC983673}" v="660" dt="2023-01-16T15:03:34.730"/>
   </p1510:revLst>
 </p1510:revInfo>
@@ -3712,7 +3713,7 @@
         </p:spPr>
         <p:txBody>
           <a:bodyPr vert="horz" lIns="91440" tIns="45720" rIns="91440" bIns="45720" rtlCol="0" anchor="t">
-            <a:normAutofit fontScale="92500"/>
+            <a:normAutofit lnSpcReduction="10000"/>
           </a:bodyPr>
           <a:lstStyle/>
           <a:p>
@@ -3747,17 +3748,6 @@
                 <a:cs typeface="Calibri" panose="020F0502020204030204"/>
               </a:rPr>
               <a:t> - библиотека, позволяющая определять случайные значения</a:t>
-            </a:r>
-          </a:p>
-          <a:p>
-            <a:pPr marL="514350" indent="-514350">
-              <a:buAutoNum type="arabicPeriod"/>
-            </a:pPr>
-            <a:r>
-              <a:rPr lang="ru-RU" dirty="0">
-                <a:cs typeface="Calibri" panose="020F0502020204030204"/>
-              </a:rPr>
-              <a:t>Time - библиотека, которая позволила сделать "Задержки" в программе</a:t>
             </a:r>
           </a:p>
           <a:p>
